--- a/slides/17-Thread.pptx
+++ b/slides/17-Thread.pptx
@@ -251,7 +251,7 @@
             <a:fld id="{63EE0429-3A54-4FCE-9BEC-4E6874F5DDA5}" type="datetimeFigureOut">
               <a:rPr lang="pt-BR" smtClean="0"/>
               <a:pPr/>
-              <a:t>26/01/2012</a:t>
+              <a:t>20/04/2012</a:t>
             </a:fld>
             <a:endParaRPr lang="pt-BR"/>
           </a:p>
@@ -420,7 +420,7 @@
     </p:spTree>
     <p:extLst>
       <p:ext uri="{BB962C8B-B14F-4D97-AF65-F5344CB8AC3E}">
-        <p14:creationId xmlns="" xmlns:p14="http://schemas.microsoft.com/office/powerpoint/2010/main" val="594373875"/>
+        <p14:creationId xmlns:p14="http://schemas.microsoft.com/office/powerpoint/2010/main" xmlns="" val="594373875"/>
       </p:ext>
     </p:extLst>
   </p:cSld>
@@ -599,7 +599,7 @@
     </p:spTree>
     <p:extLst>
       <p:ext uri="{BB962C8B-B14F-4D97-AF65-F5344CB8AC3E}">
-        <p14:creationId xmlns="" xmlns:p14="http://schemas.microsoft.com/office/powerpoint/2010/main" val="3805640522"/>
+        <p14:creationId xmlns:p14="http://schemas.microsoft.com/office/powerpoint/2010/main" xmlns="" val="3805640522"/>
       </p:ext>
     </p:extLst>
   </p:cSld>
@@ -5556,7 +5556,7 @@
             <a:fld id="{C1675C04-B1D7-4314-A174-D1660FB6FF37}" type="datetimeFigureOut">
               <a:rPr lang="pt-BR" smtClean="0"/>
               <a:pPr/>
-              <a:t>26/01/2012</a:t>
+              <a:t>20/04/2012</a:t>
             </a:fld>
             <a:endParaRPr lang="pt-BR"/>
           </a:p>
@@ -5608,7 +5608,7 @@
     </p:spTree>
     <p:extLst>
       <p:ext uri="{BB962C8B-B14F-4D97-AF65-F5344CB8AC3E}">
-        <p14:creationId xmlns="" xmlns:p14="http://schemas.microsoft.com/office/powerpoint/2010/main" val="3819067513"/>
+        <p14:creationId xmlns:p14="http://schemas.microsoft.com/office/powerpoint/2010/main" xmlns="" val="3819067513"/>
       </p:ext>
     </p:extLst>
   </p:cSld>
@@ -5780,7 +5780,7 @@
             <a:fld id="{C1675C04-B1D7-4314-A174-D1660FB6FF37}" type="datetimeFigureOut">
               <a:rPr lang="pt-BR" smtClean="0"/>
               <a:pPr/>
-              <a:t>26/01/2012</a:t>
+              <a:t>20/04/2012</a:t>
             </a:fld>
             <a:endParaRPr lang="pt-BR"/>
           </a:p>
@@ -5832,7 +5832,7 @@
     </p:spTree>
     <p:extLst>
       <p:ext uri="{BB962C8B-B14F-4D97-AF65-F5344CB8AC3E}">
-        <p14:creationId xmlns="" xmlns:p14="http://schemas.microsoft.com/office/powerpoint/2010/main" val="4293683188"/>
+        <p14:creationId xmlns:p14="http://schemas.microsoft.com/office/powerpoint/2010/main" xmlns="" val="4293683188"/>
       </p:ext>
     </p:extLst>
   </p:cSld>
@@ -6014,7 +6014,7 @@
             <a:fld id="{C1675C04-B1D7-4314-A174-D1660FB6FF37}" type="datetimeFigureOut">
               <a:rPr lang="pt-BR" smtClean="0"/>
               <a:pPr/>
-              <a:t>26/01/2012</a:t>
+              <a:t>20/04/2012</a:t>
             </a:fld>
             <a:endParaRPr lang="pt-BR"/>
           </a:p>
@@ -6066,7 +6066,7 @@
     </p:spTree>
     <p:extLst>
       <p:ext uri="{BB962C8B-B14F-4D97-AF65-F5344CB8AC3E}">
-        <p14:creationId xmlns="" xmlns:p14="http://schemas.microsoft.com/office/powerpoint/2010/main" val="932540526"/>
+        <p14:creationId xmlns:p14="http://schemas.microsoft.com/office/powerpoint/2010/main" xmlns="" val="932540526"/>
       </p:ext>
     </p:extLst>
   </p:cSld>
@@ -6335,7 +6335,7 @@
     </p:spTree>
     <p:extLst>
       <p:ext uri="{BB962C8B-B14F-4D97-AF65-F5344CB8AC3E}">
-        <p14:creationId xmlns="" xmlns:p14="http://schemas.microsoft.com/office/powerpoint/2010/main" val="45777805"/>
+        <p14:creationId xmlns:p14="http://schemas.microsoft.com/office/powerpoint/2010/main" xmlns="" val="45777805"/>
       </p:ext>
     </p:extLst>
   </p:cSld>
@@ -6375,7 +6375,7 @@
           <a:blip r:embed="rId2" cstate="print">
             <a:extLst>
               <a:ext uri="{BEBA8EAE-BF5A-486C-A8C5-ECC9F3942E4B}">
-                <a14:imgProps xmlns="" xmlns:a14="http://schemas.microsoft.com/office/drawing/2010/main">
+                <a14:imgProps xmlns:a14="http://schemas.microsoft.com/office/drawing/2010/main" xmlns="">
                   <a14:imgLayer r:embed="rId3">
                     <a14:imgEffect>
                       <a14:artisticBlur/>
@@ -6384,7 +6384,7 @@
                 </a14:imgProps>
               </a:ext>
               <a:ext uri="{28A0092B-C50C-407E-A947-70E740481C1C}">
-                <a14:useLocalDpi xmlns="" xmlns:a14="http://schemas.microsoft.com/office/drawing/2010/main" val="0"/>
+                <a14:useLocalDpi xmlns:a14="http://schemas.microsoft.com/office/drawing/2010/main" xmlns="" val="0"/>
               </a:ext>
             </a:extLst>
           </a:blip>
@@ -6406,14 +6406,14 @@
           </a:ln>
           <a:extLst>
             <a:ext uri="{909E8E84-426E-40DD-AFC4-6F175D3DCCD1}">
-              <a14:hiddenFill xmlns="" xmlns:a14="http://schemas.microsoft.com/office/drawing/2010/main">
+              <a14:hiddenFill xmlns:a14="http://schemas.microsoft.com/office/drawing/2010/main" xmlns="">
                 <a:solidFill>
                   <a:schemeClr val="accent1"/>
                 </a:solidFill>
               </a14:hiddenFill>
             </a:ext>
             <a:ext uri="{91240B29-F687-4F45-9708-019B960494DF}">
-              <a14:hiddenLine xmlns="" xmlns:a14="http://schemas.microsoft.com/office/drawing/2010/main" w="9525">
+              <a14:hiddenLine xmlns:a14="http://schemas.microsoft.com/office/drawing/2010/main" xmlns="" w="9525">
                 <a:solidFill>
                   <a:schemeClr val="tx1"/>
                 </a:solidFill>
@@ -6423,7 +6423,7 @@
               </a14:hiddenLine>
             </a:ext>
             <a:ext uri="{AF507438-7753-43E0-B8FC-AC1667EBCBE1}">
-              <a14:hiddenEffects xmlns="" xmlns:a14="http://schemas.microsoft.com/office/drawing/2010/main">
+              <a14:hiddenEffects xmlns:a14="http://schemas.microsoft.com/office/drawing/2010/main" xmlns="">
                 <a:effectLst>
                   <a:outerShdw dist="35921" dir="2700000" algn="ctr" rotWithShape="0">
                     <a:schemeClr val="bg2"/>
@@ -6619,7 +6619,7 @@
             <a:fld id="{C1675C04-B1D7-4314-A174-D1660FB6FF37}" type="datetimeFigureOut">
               <a:rPr lang="pt-BR" smtClean="0"/>
               <a:pPr/>
-              <a:t>26/01/2012</a:t>
+              <a:t>20/04/2012</a:t>
             </a:fld>
             <a:endParaRPr lang="pt-BR"/>
           </a:p>
@@ -6671,7 +6671,7 @@
     </p:spTree>
     <p:extLst>
       <p:ext uri="{BB962C8B-B14F-4D97-AF65-F5344CB8AC3E}">
-        <p14:creationId xmlns="" xmlns:p14="http://schemas.microsoft.com/office/powerpoint/2010/main" val="1140807732"/>
+        <p14:creationId xmlns:p14="http://schemas.microsoft.com/office/powerpoint/2010/main" xmlns="" val="1140807732"/>
       </p:ext>
     </p:extLst>
   </p:cSld>
@@ -6877,7 +6877,7 @@
             <a:fld id="{C1675C04-B1D7-4314-A174-D1660FB6FF37}" type="datetimeFigureOut">
               <a:rPr lang="pt-BR" smtClean="0"/>
               <a:pPr/>
-              <a:t>26/01/2012</a:t>
+              <a:t>20/04/2012</a:t>
             </a:fld>
             <a:endParaRPr lang="pt-BR"/>
           </a:p>
@@ -6929,7 +6929,7 @@
     </p:spTree>
     <p:extLst>
       <p:ext uri="{BB962C8B-B14F-4D97-AF65-F5344CB8AC3E}">
-        <p14:creationId xmlns="" xmlns:p14="http://schemas.microsoft.com/office/powerpoint/2010/main" val="3735907881"/>
+        <p14:creationId xmlns:p14="http://schemas.microsoft.com/office/powerpoint/2010/main" xmlns="" val="3735907881"/>
       </p:ext>
     </p:extLst>
   </p:cSld>
@@ -7223,7 +7223,7 @@
             <a:fld id="{C1675C04-B1D7-4314-A174-D1660FB6FF37}" type="datetimeFigureOut">
               <a:rPr lang="pt-BR" smtClean="0"/>
               <a:pPr/>
-              <a:t>26/01/2012</a:t>
+              <a:t>20/04/2012</a:t>
             </a:fld>
             <a:endParaRPr lang="pt-BR"/>
           </a:p>
@@ -7275,7 +7275,7 @@
     </p:spTree>
     <p:extLst>
       <p:ext uri="{BB962C8B-B14F-4D97-AF65-F5344CB8AC3E}">
-        <p14:creationId xmlns="" xmlns:p14="http://schemas.microsoft.com/office/powerpoint/2010/main" val="2820318444"/>
+        <p14:creationId xmlns:p14="http://schemas.microsoft.com/office/powerpoint/2010/main" xmlns="" val="2820318444"/>
       </p:ext>
     </p:extLst>
   </p:cSld>
@@ -7707,7 +7707,7 @@
             <a:fld id="{C1675C04-B1D7-4314-A174-D1660FB6FF37}" type="datetimeFigureOut">
               <a:rPr lang="pt-BR" smtClean="0"/>
               <a:pPr/>
-              <a:t>26/01/2012</a:t>
+              <a:t>20/04/2012</a:t>
             </a:fld>
             <a:endParaRPr lang="pt-BR"/>
           </a:p>
@@ -7759,7 +7759,7 @@
     </p:spTree>
     <p:extLst>
       <p:ext uri="{BB962C8B-B14F-4D97-AF65-F5344CB8AC3E}">
-        <p14:creationId xmlns="" xmlns:p14="http://schemas.microsoft.com/office/powerpoint/2010/main" val="566552069"/>
+        <p14:creationId xmlns:p14="http://schemas.microsoft.com/office/powerpoint/2010/main" xmlns="" val="566552069"/>
       </p:ext>
     </p:extLst>
   </p:cSld>
@@ -7843,7 +7843,7 @@
             <a:fld id="{C1675C04-B1D7-4314-A174-D1660FB6FF37}" type="datetimeFigureOut">
               <a:rPr lang="pt-BR" smtClean="0"/>
               <a:pPr/>
-              <a:t>26/01/2012</a:t>
+              <a:t>20/04/2012</a:t>
             </a:fld>
             <a:endParaRPr lang="pt-BR"/>
           </a:p>
@@ -7895,7 +7895,7 @@
     </p:spTree>
     <p:extLst>
       <p:ext uri="{BB962C8B-B14F-4D97-AF65-F5344CB8AC3E}">
-        <p14:creationId xmlns="" xmlns:p14="http://schemas.microsoft.com/office/powerpoint/2010/main" val="1358390184"/>
+        <p14:creationId xmlns:p14="http://schemas.microsoft.com/office/powerpoint/2010/main" xmlns="" val="1358390184"/>
       </p:ext>
     </p:extLst>
   </p:cSld>
@@ -7948,7 +7948,7 @@
             <a:fld id="{C1675C04-B1D7-4314-A174-D1660FB6FF37}" type="datetimeFigureOut">
               <a:rPr lang="pt-BR" smtClean="0"/>
               <a:pPr/>
-              <a:t>26/01/2012</a:t>
+              <a:t>20/04/2012</a:t>
             </a:fld>
             <a:endParaRPr lang="pt-BR"/>
           </a:p>
@@ -8000,7 +8000,7 @@
     </p:spTree>
     <p:extLst>
       <p:ext uri="{BB962C8B-B14F-4D97-AF65-F5344CB8AC3E}">
-        <p14:creationId xmlns="" xmlns:p14="http://schemas.microsoft.com/office/powerpoint/2010/main" val="3705262111"/>
+        <p14:creationId xmlns:p14="http://schemas.microsoft.com/office/powerpoint/2010/main" xmlns="" val="3705262111"/>
       </p:ext>
     </p:extLst>
   </p:cSld>
@@ -8263,7 +8263,7 @@
             <a:fld id="{C1675C04-B1D7-4314-A174-D1660FB6FF37}" type="datetimeFigureOut">
               <a:rPr lang="pt-BR" smtClean="0"/>
               <a:pPr/>
-              <a:t>26/01/2012</a:t>
+              <a:t>20/04/2012</a:t>
             </a:fld>
             <a:endParaRPr lang="pt-BR"/>
           </a:p>
@@ -8315,7 +8315,7 @@
     </p:spTree>
     <p:extLst>
       <p:ext uri="{BB962C8B-B14F-4D97-AF65-F5344CB8AC3E}">
-        <p14:creationId xmlns="" xmlns:p14="http://schemas.microsoft.com/office/powerpoint/2010/main" val="2189634051"/>
+        <p14:creationId xmlns:p14="http://schemas.microsoft.com/office/powerpoint/2010/main" xmlns="" val="2189634051"/>
       </p:ext>
     </p:extLst>
   </p:cSld>
@@ -8538,7 +8538,7 @@
             <a:fld id="{C1675C04-B1D7-4314-A174-D1660FB6FF37}" type="datetimeFigureOut">
               <a:rPr lang="pt-BR" smtClean="0"/>
               <a:pPr/>
-              <a:t>26/01/2012</a:t>
+              <a:t>20/04/2012</a:t>
             </a:fld>
             <a:endParaRPr lang="pt-BR"/>
           </a:p>
@@ -8590,7 +8590,7 @@
     </p:spTree>
     <p:extLst>
       <p:ext uri="{BB962C8B-B14F-4D97-AF65-F5344CB8AC3E}">
-        <p14:creationId xmlns="" xmlns:p14="http://schemas.microsoft.com/office/powerpoint/2010/main" val="3848481695"/>
+        <p14:creationId xmlns:p14="http://schemas.microsoft.com/office/powerpoint/2010/main" xmlns="" val="3848481695"/>
       </p:ext>
     </p:extLst>
   </p:cSld>
@@ -8754,7 +8754,7 @@
             <a:fld id="{C1675C04-B1D7-4314-A174-D1660FB6FF37}" type="datetimeFigureOut">
               <a:rPr lang="pt-BR" smtClean="0"/>
               <a:pPr/>
-              <a:t>26/01/2012</a:t>
+              <a:t>20/04/2012</a:t>
             </a:fld>
             <a:endParaRPr lang="pt-BR"/>
           </a:p>
@@ -8868,7 +8868,7 @@
     </p:spTree>
     <p:extLst>
       <p:ext uri="{BB962C8B-B14F-4D97-AF65-F5344CB8AC3E}">
-        <p14:creationId xmlns="" xmlns:p14="http://schemas.microsoft.com/office/powerpoint/2010/main" val="2257276274"/>
+        <p14:creationId xmlns:p14="http://schemas.microsoft.com/office/powerpoint/2010/main" xmlns="" val="2257276274"/>
       </p:ext>
     </p:extLst>
   </p:cSld>
@@ -9177,7 +9177,7 @@
           <a:blip r:embed="rId3" cstate="print">
             <a:extLst>
               <a:ext uri="{28A0092B-C50C-407E-A947-70E740481C1C}">
-                <a14:useLocalDpi xmlns="" xmlns:a14="http://schemas.microsoft.com/office/drawing/2010/main" val="0"/>
+                <a14:useLocalDpi xmlns:a14="http://schemas.microsoft.com/office/drawing/2010/main" xmlns="" val="0"/>
               </a:ext>
             </a:extLst>
           </a:blip>
@@ -9201,14 +9201,14 @@
           <a:effectLst/>
           <a:extLst>
             <a:ext uri="{909E8E84-426E-40DD-AFC4-6F175D3DCCD1}">
-              <a14:hiddenFill xmlns="" xmlns:a14="http://schemas.microsoft.com/office/drawing/2010/main">
+              <a14:hiddenFill xmlns:a14="http://schemas.microsoft.com/office/drawing/2010/main" xmlns="">
                 <a:solidFill>
                   <a:schemeClr val="accent1"/>
                 </a:solidFill>
               </a14:hiddenFill>
             </a:ext>
             <a:ext uri="{91240B29-F687-4F45-9708-019B960494DF}">
-              <a14:hiddenLine xmlns="" xmlns:a14="http://schemas.microsoft.com/office/drawing/2010/main" w="9525">
+              <a14:hiddenLine xmlns:a14="http://schemas.microsoft.com/office/drawing/2010/main" xmlns="" w="9525">
                 <a:solidFill>
                   <a:schemeClr val="tx1"/>
                 </a:solidFill>
@@ -9218,7 +9218,7 @@
               </a14:hiddenLine>
             </a:ext>
             <a:ext uri="{AF507438-7753-43E0-B8FC-AC1667EBCBE1}">
-              <a14:hiddenEffects xmlns="" xmlns:a14="http://schemas.microsoft.com/office/drawing/2010/main">
+              <a14:hiddenEffects xmlns:a14="http://schemas.microsoft.com/office/drawing/2010/main" xmlns="">
                 <a:effectLst>
                   <a:outerShdw dist="35921" dir="2700000" algn="ctr" rotWithShape="0">
                     <a:schemeClr val="bg2"/>
@@ -9299,7 +9299,7 @@
     </p:spTree>
     <p:extLst>
       <p:ext uri="{BB962C8B-B14F-4D97-AF65-F5344CB8AC3E}">
-        <p14:creationId xmlns="" xmlns:p14="http://schemas.microsoft.com/office/powerpoint/2010/main" val="164985714"/>
+        <p14:creationId xmlns:p14="http://schemas.microsoft.com/office/powerpoint/2010/main" xmlns="" val="164985714"/>
       </p:ext>
     </p:extLst>
   </p:cSld>
@@ -9680,7 +9680,15 @@
           <a:p>
             <a:r>
               <a:rPr lang="pt-BR" dirty="0" smtClean="0"/>
-              <a:t>Até chamar esse método tudo o que se possui é uma objeto thread e opcionalmente uma classe que implementa </a:t>
+              <a:t>Até chamar esse método tudo o que se possui é </a:t>
+            </a:r>
+            <a:r>
+              <a:rPr lang="pt-BR" dirty="0" smtClean="0"/>
+              <a:t>um </a:t>
+            </a:r>
+            <a:r>
+              <a:rPr lang="pt-BR" dirty="0" smtClean="0"/>
+              <a:t>objeto thread e opcionalmente uma classe que implementa </a:t>
             </a:r>
             <a:r>
               <a:rPr lang="pt-BR" dirty="0" err="1" smtClean="0"/>
@@ -13023,12 +13031,12 @@
               <a:t> que é a </a:t>
             </a:r>
             <a:r>
-              <a:rPr lang="pt-BR" dirty="0" err="1" smtClean="0"/>
-              <a:t>pprimeira</a:t>
-            </a:r>
-            <a:r>
-              <a:rPr lang="pt-BR" dirty="0" smtClean="0"/>
-              <a:t> thread a executar</a:t>
+              <a:rPr lang="pt-BR" dirty="0" smtClean="0"/>
+              <a:t>primeira </a:t>
+            </a:r>
+            <a:r>
+              <a:rPr lang="pt-BR" dirty="0" smtClean="0"/>
+              <a:t>thread a executar</a:t>
             </a:r>
             <a:endParaRPr lang="pt-BR" dirty="0"/>
           </a:p>
@@ -18080,15 +18088,7 @@
           <a:p>
             <a:r>
               <a:rPr lang="pt-BR" dirty="0" smtClean="0"/>
-              <a:t>Duas threads que invocam métodos sincronizados não-estáticos só irão se bloquear caso esse método </a:t>
-            </a:r>
-            <a:r>
-              <a:rPr lang="pt-BR" dirty="0" smtClean="0"/>
-              <a:t>seja sobre </a:t>
-            </a:r>
-            <a:r>
-              <a:rPr lang="pt-BR" dirty="0" smtClean="0"/>
-              <a:t>a mesma instância. Caso contrário terão um </a:t>
+              <a:t>Duas threads que invocam métodos sincronizados não-estáticos só irão se bloquear caso esse método seja sobre a mesma instância. Caso contrário terão um </a:t>
             </a:r>
             <a:r>
               <a:rPr lang="pt-BR" dirty="0" err="1" smtClean="0"/>
@@ -18313,13 +18313,8 @@
           <a:p>
             <a:r>
               <a:rPr lang="pt-BR" dirty="0" smtClean="0"/>
-              <a:t>Campos não-estáticos devem ser acessados por métodos </a:t>
-            </a:r>
-            <a:r>
-              <a:rPr lang="pt-BR" dirty="0" smtClean="0"/>
-              <a:t>sincronizados não-estáticos</a:t>
-            </a:r>
-            <a:endParaRPr lang="pt-BR" dirty="0" smtClean="0"/>
+              <a:t>Campos não-estáticos devem ser acessados por métodos sincronizados não-estáticos</a:t>
+            </a:r>
           </a:p>
           <a:p>
             <a:r>
@@ -18669,22 +18664,14 @@
             </a:r>
             <a:r>
               <a:rPr lang="pt-BR" dirty="0" smtClean="0"/>
-              <a:t> </a:t>
-            </a:r>
-            <a:r>
-              <a:rPr lang="pt-BR" dirty="0" smtClean="0"/>
-              <a:t>possui 3 métodos que ajudam as threads a comunicarem o estado dos eventos que interessam</a:t>
+              <a:t> possui 3 métodos que ajudam as threads a comunicarem o estado dos eventos que interessam</a:t>
             </a:r>
           </a:p>
           <a:p>
             <a:pPr lvl="1"/>
             <a:r>
               <a:rPr lang="pt-BR" dirty="0" err="1" smtClean="0"/>
-              <a:t>w</a:t>
-            </a:r>
-            <a:r>
-              <a:rPr lang="pt-BR" dirty="0" err="1" smtClean="0"/>
-              <a:t>ait</a:t>
+              <a:t>wait</a:t>
             </a:r>
             <a:r>
               <a:rPr lang="pt-BR" dirty="0" smtClean="0"/>
